--- a/Latex/CMB_MultipleSequence_Alignement/HIVE HEXAGON.pptx
+++ b/Latex/CMB_MultipleSequence_Alignement/HIVE HEXAGON.pptx
@@ -14,6 +14,12 @@
     <p:sldId id="263" r:id="rId8"/>
     <p:sldId id="259" r:id="rId9"/>
     <p:sldId id="264" r:id="rId10"/>
+    <p:sldId id="266" r:id="rId11"/>
+    <p:sldId id="267" r:id="rId12"/>
+    <p:sldId id="268" r:id="rId13"/>
+    <p:sldId id="269" r:id="rId14"/>
+    <p:sldId id="265" r:id="rId15"/>
+    <p:sldId id="270" r:id="rId16"/>
   </p:sldIdLst>
   <p:sldSz cx="12192000" cy="6858000"/>
   <p:notesSz cx="6858000" cy="9144000"/>
@@ -112,6 +118,11 @@
       </a:defRPr>
     </a:lvl9pPr>
   </p:defaultTextStyle>
+  <p:extLst>
+    <p:ext uri="{EFAFB233-063F-42B5-8137-9DF3F51BA10A}">
+      <p15:sldGuideLst xmlns:p15="http://schemas.microsoft.com/office/powerpoint/2012/main"/>
+    </p:ext>
+  </p:extLst>
 </p:presentation>
 </file>
 
@@ -303,7 +314,7 @@
           <a:p>
             <a:fld id="{7D07110D-F19F-4515-AD5B-87DF12610F40}" type="datetimeFigureOut">
               <a:rPr lang="es-PE" smtClean="0"/>
-              <a:t>4/04/2019</a:t>
+              <a:t>14/04/2019</a:t>
             </a:fld>
             <a:endParaRPr lang="es-PE" dirty="0"/>
           </a:p>
@@ -641,7 +652,7 @@
           <a:p>
             <a:fld id="{7D07110D-F19F-4515-AD5B-87DF12610F40}" type="datetimeFigureOut">
               <a:rPr lang="es-PE" smtClean="0"/>
-              <a:t>4/04/2019</a:t>
+              <a:t>14/04/2019</a:t>
             </a:fld>
             <a:endParaRPr lang="es-PE" dirty="0"/>
           </a:p>
@@ -1042,7 +1053,7 @@
           <a:p>
             <a:fld id="{7D07110D-F19F-4515-AD5B-87DF12610F40}" type="datetimeFigureOut">
               <a:rPr lang="es-PE" smtClean="0"/>
-              <a:t>4/04/2019</a:t>
+              <a:t>14/04/2019</a:t>
             </a:fld>
             <a:endParaRPr lang="es-PE" dirty="0"/>
           </a:p>
@@ -1378,7 +1389,7 @@
           <a:p>
             <a:fld id="{7D07110D-F19F-4515-AD5B-87DF12610F40}" type="datetimeFigureOut">
               <a:rPr lang="es-PE" smtClean="0"/>
-              <a:t>4/04/2019</a:t>
+              <a:t>14/04/2019</a:t>
             </a:fld>
             <a:endParaRPr lang="es-PE" dirty="0"/>
           </a:p>
@@ -1698,7 +1709,7 @@
           <a:p>
             <a:fld id="{7D07110D-F19F-4515-AD5B-87DF12610F40}" type="datetimeFigureOut">
               <a:rPr lang="es-PE" smtClean="0"/>
-              <a:t>4/04/2019</a:t>
+              <a:t>14/04/2019</a:t>
             </a:fld>
             <a:endParaRPr lang="es-PE" dirty="0"/>
           </a:p>
@@ -2094,7 +2105,7 @@
           <a:p>
             <a:fld id="{7D07110D-F19F-4515-AD5B-87DF12610F40}" type="datetimeFigureOut">
               <a:rPr lang="es-PE" smtClean="0"/>
-              <a:t>4/04/2019</a:t>
+              <a:t>14/04/2019</a:t>
             </a:fld>
             <a:endParaRPr lang="es-PE" dirty="0"/>
           </a:p>
@@ -2351,7 +2362,7 @@
           <a:p>
             <a:fld id="{7D07110D-F19F-4515-AD5B-87DF12610F40}" type="datetimeFigureOut">
               <a:rPr lang="es-PE" smtClean="0"/>
-              <a:t>5/04/2019</a:t>
+              <a:t>14/04/2019</a:t>
             </a:fld>
             <a:endParaRPr lang="es-PE" dirty="0"/>
           </a:p>
@@ -2613,7 +2624,7 @@
           <a:p>
             <a:fld id="{7D07110D-F19F-4515-AD5B-87DF12610F40}" type="datetimeFigureOut">
               <a:rPr lang="es-PE" smtClean="0"/>
-              <a:t>5/04/2019</a:t>
+              <a:t>14/04/2019</a:t>
             </a:fld>
             <a:endParaRPr lang="es-PE" dirty="0"/>
           </a:p>
@@ -2875,7 +2886,7 @@
           <a:p>
             <a:fld id="{7D07110D-F19F-4515-AD5B-87DF12610F40}" type="datetimeFigureOut">
               <a:rPr lang="es-PE" smtClean="0"/>
-              <a:t>5/04/2019</a:t>
+              <a:t>14/04/2019</a:t>
             </a:fld>
             <a:endParaRPr lang="es-PE" dirty="0"/>
           </a:p>
@@ -3204,7 +3215,7 @@
           <a:p>
             <a:fld id="{7D07110D-F19F-4515-AD5B-87DF12610F40}" type="datetimeFigureOut">
               <a:rPr lang="es-PE" smtClean="0"/>
-              <a:t>5/04/2019</a:t>
+              <a:t>14/04/2019</a:t>
             </a:fld>
             <a:endParaRPr lang="es-PE" dirty="0"/>
           </a:p>
@@ -3527,7 +3538,7 @@
           <a:p>
             <a:fld id="{7D07110D-F19F-4515-AD5B-87DF12610F40}" type="datetimeFigureOut">
               <a:rPr lang="es-PE" smtClean="0"/>
-              <a:t>5/04/2019</a:t>
+              <a:t>14/04/2019</a:t>
             </a:fld>
             <a:endParaRPr lang="es-PE" dirty="0"/>
           </a:p>
@@ -3984,7 +3995,7 @@
           <a:p>
             <a:fld id="{7D07110D-F19F-4515-AD5B-87DF12610F40}" type="datetimeFigureOut">
               <a:rPr lang="es-PE" smtClean="0"/>
-              <a:t>5/04/2019</a:t>
+              <a:t>14/04/2019</a:t>
             </a:fld>
             <a:endParaRPr lang="es-PE" dirty="0"/>
           </a:p>
@@ -4189,7 +4200,7 @@
           <a:p>
             <a:fld id="{7D07110D-F19F-4515-AD5B-87DF12610F40}" type="datetimeFigureOut">
               <a:rPr lang="es-PE" smtClean="0"/>
-              <a:t>5/04/2019</a:t>
+              <a:t>14/04/2019</a:t>
             </a:fld>
             <a:endParaRPr lang="es-PE" dirty="0"/>
           </a:p>
@@ -4366,7 +4377,7 @@
           <a:p>
             <a:fld id="{7D07110D-F19F-4515-AD5B-87DF12610F40}" type="datetimeFigureOut">
               <a:rPr lang="es-PE" smtClean="0"/>
-              <a:t>5/04/2019</a:t>
+              <a:t>14/04/2019</a:t>
             </a:fld>
             <a:endParaRPr lang="es-PE" dirty="0"/>
           </a:p>
@@ -4699,7 +4710,7 @@
           <a:p>
             <a:fld id="{7D07110D-F19F-4515-AD5B-87DF12610F40}" type="datetimeFigureOut">
               <a:rPr lang="es-PE" smtClean="0"/>
-              <a:t>5/04/2019</a:t>
+              <a:t>14/04/2019</a:t>
             </a:fld>
             <a:endParaRPr lang="es-PE" dirty="0"/>
           </a:p>
@@ -5044,7 +5055,7 @@
           <a:p>
             <a:fld id="{7D07110D-F19F-4515-AD5B-87DF12610F40}" type="datetimeFigureOut">
               <a:rPr lang="es-PE" smtClean="0"/>
-              <a:t>5/04/2019</a:t>
+              <a:t>14/04/2019</a:t>
             </a:fld>
             <a:endParaRPr lang="es-PE" dirty="0"/>
           </a:p>
@@ -7161,7 +7172,7 @@
           <a:p>
             <a:fld id="{7D07110D-F19F-4515-AD5B-87DF12610F40}" type="datetimeFigureOut">
               <a:rPr lang="es-PE" smtClean="0"/>
-              <a:t>4/04/2019</a:t>
+              <a:t>14/04/2019</a:t>
             </a:fld>
             <a:endParaRPr lang="es-PE" dirty="0"/>
           </a:p>
@@ -7729,6 +7740,624 @@
 </p:sld>
 </file>
 
+<file path=ppt/slides/slide10.xml><?xml version="1.0" encoding="utf-8"?>
+<p:sld xmlns:a="http://schemas.openxmlformats.org/drawingml/2006/main" xmlns:r="http://schemas.openxmlformats.org/officeDocument/2006/relationships" xmlns:p="http://schemas.openxmlformats.org/presentationml/2006/main">
+  <p:cSld>
+    <p:spTree>
+      <p:nvGrpSpPr>
+        <p:cNvPr id="1" name=""/>
+        <p:cNvGrpSpPr/>
+        <p:nvPr/>
+      </p:nvGrpSpPr>
+      <p:grpSpPr>
+        <a:xfrm>
+          <a:off x="0" y="0"/>
+          <a:ext cx="0" cy="0"/>
+          <a:chOff x="0" y="0"/>
+          <a:chExt cx="0" cy="0"/>
+        </a:xfrm>
+      </p:grpSpPr>
+      <p:sp>
+        <p:nvSpPr>
+          <p:cNvPr id="3" name="Marcador de contenido 2"/>
+          <p:cNvSpPr>
+            <a:spLocks noGrp="1"/>
+          </p:cNvSpPr>
+          <p:nvPr>
+            <p:ph idx="1"/>
+          </p:nvPr>
+        </p:nvSpPr>
+        <p:spPr>
+          <a:xfrm>
+            <a:off x="1781827" y="943627"/>
+            <a:ext cx="8915400" cy="2688921"/>
+          </a:xfrm>
+        </p:spPr>
+        <p:txBody>
+          <a:bodyPr/>
+          <a:lstStyle/>
+          <a:p>
+            <a:r>
+              <a:rPr lang="es-PE" b="1" dirty="0"/>
+              <a:t>b</a:t>
+            </a:r>
+            <a:r>
+              <a:rPr lang="es-PE" b="1" dirty="0" smtClean="0"/>
+              <a:t>) Ordenamiento de rutas:</a:t>
+            </a:r>
+            <a:endParaRPr lang="es-PE" dirty="0" smtClean="0"/>
+          </a:p>
+          <a:p>
+            <a:pPr lvl="1"/>
+            <a:r>
+              <a:rPr lang="es-PE" dirty="0" smtClean="0"/>
+              <a:t>Una vez organizadas las secuencias en el árbol es fácil hacer una recuperación ordenada haciendo un simple recorrido en los nodos del mismo. Esta recuperación evita añadir secuencias ya repetidas y cálculos consecuentes innecesarios.</a:t>
+            </a:r>
+          </a:p>
+          <a:p>
+            <a:pPr lvl="1"/>
+            <a:r>
+              <a:rPr lang="es-PE" dirty="0" smtClean="0"/>
+              <a:t>El costo de esta operación es de </a:t>
+            </a:r>
+            <a:r>
+              <a:rPr lang="es-PE" b="1" dirty="0" smtClean="0"/>
+              <a:t>O(S)</a:t>
+            </a:r>
+            <a:r>
+              <a:rPr lang="es-PE" dirty="0" smtClean="0"/>
+              <a:t> en donde </a:t>
+            </a:r>
+            <a:r>
+              <a:rPr lang="es-PE" b="1" dirty="0" smtClean="0"/>
+              <a:t>S </a:t>
+            </a:r>
+            <a:r>
+              <a:rPr lang="es-PE" dirty="0" smtClean="0"/>
+              <a:t> representa el número de secuencias no redundantes.</a:t>
+            </a:r>
+          </a:p>
+        </p:txBody>
+      </p:sp>
+      <p:pic>
+        <p:nvPicPr>
+          <p:cNvPr id="2" name="Imagen 1"/>
+          <p:cNvPicPr>
+            <a:picLocks noChangeAspect="1"/>
+          </p:cNvPicPr>
+          <p:nvPr/>
+        </p:nvPicPr>
+        <p:blipFill>
+          <a:blip r:embed="rId2">
+            <a:extLst>
+              <a:ext uri="{28A0092B-C50C-407E-A947-70E740481C1C}">
+                <a14:useLocalDpi xmlns:a14="http://schemas.microsoft.com/office/drawing/2010/main" val="0"/>
+              </a:ext>
+            </a:extLst>
+          </a:blip>
+          <a:stretch>
+            <a:fillRect/>
+          </a:stretch>
+        </p:blipFill>
+        <p:spPr>
+          <a:xfrm>
+            <a:off x="1132091" y="3934658"/>
+            <a:ext cx="10478962" cy="1143160"/>
+          </a:xfrm>
+          <a:prstGeom prst="rect">
+            <a:avLst/>
+          </a:prstGeom>
+        </p:spPr>
+      </p:pic>
+    </p:spTree>
+    <p:extLst>
+      <p:ext uri="{BB962C8B-B14F-4D97-AF65-F5344CB8AC3E}">
+        <p14:creationId xmlns:p14="http://schemas.microsoft.com/office/powerpoint/2010/main" val="2851122043"/>
+      </p:ext>
+    </p:extLst>
+  </p:cSld>
+  <p:clrMapOvr>
+    <a:masterClrMapping/>
+  </p:clrMapOvr>
+  <p:timing>
+    <p:tnLst>
+      <p:par>
+        <p:cTn id="1" dur="indefinite" restart="never" nodeType="tmRoot"/>
+      </p:par>
+    </p:tnLst>
+  </p:timing>
+</p:sld>
+</file>
+
+<file path=ppt/slides/slide11.xml><?xml version="1.0" encoding="utf-8"?>
+<p:sld xmlns:a="http://schemas.openxmlformats.org/drawingml/2006/main" xmlns:r="http://schemas.openxmlformats.org/officeDocument/2006/relationships" xmlns:p="http://schemas.openxmlformats.org/presentationml/2006/main">
+  <p:cSld>
+    <p:spTree>
+      <p:nvGrpSpPr>
+        <p:cNvPr id="1" name=""/>
+        <p:cNvGrpSpPr/>
+        <p:nvPr/>
+      </p:nvGrpSpPr>
+      <p:grpSpPr>
+        <a:xfrm>
+          <a:off x="0" y="0"/>
+          <a:ext cx="0" cy="0"/>
+          <a:chOff x="0" y="0"/>
+          <a:chExt cx="0" cy="0"/>
+        </a:xfrm>
+      </p:grpSpPr>
+      <p:sp>
+        <p:nvSpPr>
+          <p:cNvPr id="3" name="Marcador de contenido 2"/>
+          <p:cNvSpPr>
+            <a:spLocks noGrp="1"/>
+          </p:cNvSpPr>
+          <p:nvPr>
+            <p:ph idx="1"/>
+          </p:nvPr>
+        </p:nvSpPr>
+        <p:spPr>
+          <a:xfrm>
+            <a:off x="1825125" y="1970761"/>
+            <a:ext cx="8915400" cy="3777622"/>
+          </a:xfrm>
+        </p:spPr>
+        <p:txBody>
+          <a:bodyPr/>
+          <a:lstStyle/>
+          <a:p>
+            <a:r>
+              <a:rPr lang="es-PE" b="1" dirty="0" smtClean="0"/>
+              <a:t>K-MER HASHING</a:t>
+            </a:r>
+          </a:p>
+          <a:p>
+            <a:r>
+              <a:rPr lang="es-PE" dirty="0"/>
+              <a:t> </a:t>
+            </a:r>
+            <a:r>
+              <a:rPr lang="es-PE" dirty="0" smtClean="0"/>
+              <a:t>HIVE </a:t>
+            </a:r>
+            <a:r>
+              <a:rPr lang="es-PE" dirty="0" err="1" smtClean="0"/>
+              <a:t>Hexagon</a:t>
+            </a:r>
+            <a:r>
+              <a:rPr lang="es-PE" dirty="0" smtClean="0"/>
+              <a:t> mantiene un diccionario en donde se almacenan las correspondencias entre las secuencias y las cadenas de referencias. Cada </a:t>
+            </a:r>
+            <a:r>
+              <a:rPr lang="es-PE" i="1" dirty="0" err="1" smtClean="0"/>
+              <a:t>bucket</a:t>
+            </a:r>
+            <a:r>
+              <a:rPr lang="es-PE" i="1" dirty="0" smtClean="0"/>
+              <a:t> </a:t>
+            </a:r>
+            <a:r>
+              <a:rPr lang="es-PE" dirty="0" smtClean="0"/>
+              <a:t>dentro del Hash representa la  correspondencia entre ambas secuencias.</a:t>
+            </a:r>
+          </a:p>
+          <a:p>
+            <a:r>
+              <a:rPr lang="es-PE" dirty="0" smtClean="0"/>
+              <a:t>Toma un tiempo de </a:t>
+            </a:r>
+            <a:r>
+              <a:rPr lang="es-PE" b="1" dirty="0" smtClean="0"/>
+              <a:t>O(R)</a:t>
+            </a:r>
+            <a:endParaRPr lang="es-PE" dirty="0" smtClean="0"/>
+          </a:p>
+        </p:txBody>
+      </p:sp>
+    </p:spTree>
+    <p:extLst>
+      <p:ext uri="{BB962C8B-B14F-4D97-AF65-F5344CB8AC3E}">
+        <p14:creationId xmlns:p14="http://schemas.microsoft.com/office/powerpoint/2010/main" val="4248886957"/>
+      </p:ext>
+    </p:extLst>
+  </p:cSld>
+  <p:clrMapOvr>
+    <a:masterClrMapping/>
+  </p:clrMapOvr>
+</p:sld>
+</file>
+
+<file path=ppt/slides/slide12.xml><?xml version="1.0" encoding="utf-8"?>
+<p:sld xmlns:a="http://schemas.openxmlformats.org/drawingml/2006/main" xmlns:r="http://schemas.openxmlformats.org/officeDocument/2006/relationships" xmlns:p="http://schemas.openxmlformats.org/presentationml/2006/main">
+  <p:cSld>
+    <p:spTree>
+      <p:nvGrpSpPr>
+        <p:cNvPr id="1" name=""/>
+        <p:cNvGrpSpPr/>
+        <p:nvPr/>
+      </p:nvGrpSpPr>
+      <p:grpSpPr>
+        <a:xfrm>
+          <a:off x="0" y="0"/>
+          <a:ext cx="0" cy="0"/>
+          <a:chOff x="0" y="0"/>
+          <a:chExt cx="0" cy="0"/>
+        </a:xfrm>
+      </p:grpSpPr>
+      <p:sp>
+        <p:nvSpPr>
+          <p:cNvPr id="3" name="Marcador de contenido 2"/>
+          <p:cNvSpPr>
+            <a:spLocks noGrp="1"/>
+          </p:cNvSpPr>
+          <p:nvPr>
+            <p:ph idx="1"/>
+          </p:nvPr>
+        </p:nvSpPr>
+        <p:spPr/>
+        <p:txBody>
+          <a:bodyPr/>
+          <a:lstStyle/>
+          <a:p>
+            <a:r>
+              <a:rPr lang="es-PE" b="1" dirty="0" smtClean="0"/>
+              <a:t>4) </a:t>
+            </a:r>
+            <a:r>
+              <a:rPr lang="es-PE" b="1" dirty="0" err="1" smtClean="0"/>
+              <a:t>Bracketing</a:t>
+            </a:r>
+            <a:r>
+              <a:rPr lang="es-PE" b="1" dirty="0" smtClean="0"/>
+              <a:t> and </a:t>
+            </a:r>
+            <a:r>
+              <a:rPr lang="es-PE" b="1" dirty="0" err="1" smtClean="0"/>
+              <a:t>fuzzy</a:t>
+            </a:r>
+            <a:r>
+              <a:rPr lang="es-PE" b="1" dirty="0" smtClean="0"/>
+              <a:t> extensión</a:t>
+            </a:r>
+          </a:p>
+          <a:p>
+            <a:r>
+              <a:rPr lang="es-PE" dirty="0" smtClean="0"/>
+              <a:t>Una vez detectada la región con las secuencias más próximas, HIVE establece un marco de análisis para aplicar la función </a:t>
+            </a:r>
+            <a:r>
+              <a:rPr lang="es-PE" i="1" dirty="0" smtClean="0"/>
+              <a:t>FUZZY.</a:t>
+            </a:r>
+          </a:p>
+          <a:p>
+            <a:r>
+              <a:rPr lang="es-PE" b="1" i="1" dirty="0"/>
+              <a:t> </a:t>
+            </a:r>
+            <a:r>
+              <a:rPr lang="es-PE" dirty="0" smtClean="0"/>
+              <a:t>La función </a:t>
+            </a:r>
+            <a:r>
+              <a:rPr lang="es-PE" i="1" dirty="0" smtClean="0"/>
+              <a:t>FUZZY en HIVE </a:t>
+            </a:r>
+            <a:r>
+              <a:rPr lang="es-PE" dirty="0" smtClean="0"/>
+              <a:t>es similar a un algoritmo dinámico  de bajo costo  cuya función es reducir el margen de análisis para el alineamiento final.</a:t>
+            </a:r>
+            <a:endParaRPr lang="es-PE" b="1" dirty="0" smtClean="0"/>
+          </a:p>
+          <a:p>
+            <a:endParaRPr lang="es-PE" dirty="0"/>
+          </a:p>
+        </p:txBody>
+      </p:sp>
+    </p:spTree>
+    <p:extLst>
+      <p:ext uri="{BB962C8B-B14F-4D97-AF65-F5344CB8AC3E}">
+        <p14:creationId xmlns:p14="http://schemas.microsoft.com/office/powerpoint/2010/main" val="4121304976"/>
+      </p:ext>
+    </p:extLst>
+  </p:cSld>
+  <p:clrMapOvr>
+    <a:masterClrMapping/>
+  </p:clrMapOvr>
+</p:sld>
+</file>
+
+<file path=ppt/slides/slide13.xml><?xml version="1.0" encoding="utf-8"?>
+<p:sld xmlns:a="http://schemas.openxmlformats.org/drawingml/2006/main" xmlns:r="http://schemas.openxmlformats.org/officeDocument/2006/relationships" xmlns:p="http://schemas.openxmlformats.org/presentationml/2006/main">
+  <p:cSld>
+    <p:spTree>
+      <p:nvGrpSpPr>
+        <p:cNvPr id="1" name=""/>
+        <p:cNvGrpSpPr/>
+        <p:nvPr/>
+      </p:nvGrpSpPr>
+      <p:grpSpPr>
+        <a:xfrm>
+          <a:off x="0" y="0"/>
+          <a:ext cx="0" cy="0"/>
+          <a:chOff x="0" y="0"/>
+          <a:chExt cx="0" cy="0"/>
+        </a:xfrm>
+      </p:grpSpPr>
+      <p:sp>
+        <p:nvSpPr>
+          <p:cNvPr id="3" name="Marcador de contenido 2"/>
+          <p:cNvSpPr>
+            <a:spLocks noGrp="1"/>
+          </p:cNvSpPr>
+          <p:nvPr>
+            <p:ph idx="1"/>
+          </p:nvPr>
+        </p:nvSpPr>
+        <p:spPr>
+          <a:xfrm>
+            <a:off x="1775020" y="718159"/>
+            <a:ext cx="8915400" cy="546970"/>
+          </a:xfrm>
+        </p:spPr>
+        <p:txBody>
+          <a:bodyPr/>
+          <a:lstStyle/>
+          <a:p>
+            <a:r>
+              <a:rPr lang="es-PE" b="1" dirty="0" smtClean="0"/>
+              <a:t>4) </a:t>
+            </a:r>
+            <a:r>
+              <a:rPr lang="es-PE" b="1" dirty="0" err="1" smtClean="0"/>
+              <a:t>Alinemiento</a:t>
+            </a:r>
+            <a:r>
+              <a:rPr lang="es-PE" b="1" dirty="0" smtClean="0"/>
+              <a:t> Optimo</a:t>
+            </a:r>
+            <a:endParaRPr lang="es-PE" dirty="0"/>
+          </a:p>
+        </p:txBody>
+      </p:sp>
+      <p:pic>
+        <p:nvPicPr>
+          <p:cNvPr id="4" name="Imagen 3"/>
+          <p:cNvPicPr>
+            <a:picLocks noChangeAspect="1"/>
+          </p:cNvPicPr>
+          <p:nvPr/>
+        </p:nvPicPr>
+        <p:blipFill>
+          <a:blip r:embed="rId2">
+            <a:extLst>
+              <a:ext uri="{28A0092B-C50C-407E-A947-70E740481C1C}">
+                <a14:useLocalDpi xmlns:a14="http://schemas.microsoft.com/office/drawing/2010/main" val="0"/>
+              </a:ext>
+            </a:extLst>
+          </a:blip>
+          <a:stretch>
+            <a:fillRect/>
+          </a:stretch>
+        </p:blipFill>
+        <p:spPr>
+          <a:xfrm>
+            <a:off x="1775020" y="1265129"/>
+            <a:ext cx="9573561" cy="6325483"/>
+          </a:xfrm>
+          <a:prstGeom prst="rect">
+            <a:avLst/>
+          </a:prstGeom>
+        </p:spPr>
+      </p:pic>
+    </p:spTree>
+    <p:extLst>
+      <p:ext uri="{BB962C8B-B14F-4D97-AF65-F5344CB8AC3E}">
+        <p14:creationId xmlns:p14="http://schemas.microsoft.com/office/powerpoint/2010/main" val="2221500675"/>
+      </p:ext>
+    </p:extLst>
+  </p:cSld>
+  <p:clrMapOvr>
+    <a:masterClrMapping/>
+  </p:clrMapOvr>
+</p:sld>
+</file>
+
+<file path=ppt/slides/slide14.xml><?xml version="1.0" encoding="utf-8"?>
+<p:sld xmlns:a="http://schemas.openxmlformats.org/drawingml/2006/main" xmlns:r="http://schemas.openxmlformats.org/officeDocument/2006/relationships" xmlns:p="http://schemas.openxmlformats.org/presentationml/2006/main">
+  <p:cSld>
+    <p:spTree>
+      <p:nvGrpSpPr>
+        <p:cNvPr id="1" name=""/>
+        <p:cNvGrpSpPr/>
+        <p:nvPr/>
+      </p:nvGrpSpPr>
+      <p:grpSpPr>
+        <a:xfrm>
+          <a:off x="0" y="0"/>
+          <a:ext cx="0" cy="0"/>
+          <a:chOff x="0" y="0"/>
+          <a:chExt cx="0" cy="0"/>
+        </a:xfrm>
+      </p:grpSpPr>
+      <p:sp>
+        <p:nvSpPr>
+          <p:cNvPr id="3" name="Marcador de contenido 2"/>
+          <p:cNvSpPr>
+            <a:spLocks noGrp="1"/>
+          </p:cNvSpPr>
+          <p:nvPr>
+            <p:ph idx="1"/>
+          </p:nvPr>
+        </p:nvSpPr>
+        <p:spPr>
+          <a:xfrm>
+            <a:off x="2288587" y="1720241"/>
+            <a:ext cx="8915400" cy="3777622"/>
+          </a:xfrm>
+        </p:spPr>
+        <p:txBody>
+          <a:bodyPr/>
+          <a:lstStyle/>
+          <a:p>
+            <a:r>
+              <a:rPr lang="es-PE" b="1" dirty="0" smtClean="0"/>
+              <a:t>Optimo: </a:t>
+            </a:r>
+            <a:r>
+              <a:rPr lang="es-PE" dirty="0" smtClean="0"/>
+              <a:t> No hay mejor alineamiento que el presentado para el genoma tomado como referencia.</a:t>
+            </a:r>
+          </a:p>
+          <a:p>
+            <a:r>
+              <a:rPr lang="es-PE" b="1" dirty="0" err="1" smtClean="0"/>
+              <a:t>Fuzziness</a:t>
+            </a:r>
+            <a:r>
+              <a:rPr lang="es-PE" b="1" dirty="0" smtClean="0"/>
+              <a:t>: </a:t>
+            </a:r>
+            <a:r>
+              <a:rPr lang="es-PE" dirty="0" smtClean="0"/>
+              <a:t>Se tolera hasta un cierto margen de error. </a:t>
+            </a:r>
+          </a:p>
+          <a:p>
+            <a:r>
+              <a:rPr lang="es-PE" b="1" dirty="0" smtClean="0"/>
+              <a:t>Cuantificable: </a:t>
+            </a:r>
+            <a:r>
+              <a:rPr lang="es-PE" dirty="0" smtClean="0"/>
+              <a:t>A cada alineamiento se le puede asignar un score para evaluar su calidad frente a otros.</a:t>
+            </a:r>
+          </a:p>
+          <a:p>
+            <a:r>
+              <a:rPr lang="es-PE" b="1" dirty="0" smtClean="0"/>
+              <a:t>Robustez: </a:t>
+            </a:r>
+            <a:r>
+              <a:rPr lang="es-PE" dirty="0" smtClean="0"/>
+              <a:t>Pequeños cambios en los parámetros deben ser reflejados como pequeños cambios en los resultados.</a:t>
+            </a:r>
+          </a:p>
+          <a:p>
+            <a:r>
+              <a:rPr lang="es-PE" b="1" dirty="0" smtClean="0"/>
+              <a:t>Reproducible: </a:t>
+            </a:r>
+            <a:r>
+              <a:rPr lang="es-PE" dirty="0" smtClean="0"/>
+              <a:t>A pesar del comportamiento caótico presente en la naturaleza del algoritmo, este debe retornar siempre el mismo error.</a:t>
+            </a:r>
+            <a:endParaRPr lang="es-PE" b="1" dirty="0"/>
+          </a:p>
+        </p:txBody>
+      </p:sp>
+    </p:spTree>
+    <p:extLst>
+      <p:ext uri="{BB962C8B-B14F-4D97-AF65-F5344CB8AC3E}">
+        <p14:creationId xmlns:p14="http://schemas.microsoft.com/office/powerpoint/2010/main" val="168671744"/>
+      </p:ext>
+    </p:extLst>
+  </p:cSld>
+  <p:clrMapOvr>
+    <a:masterClrMapping/>
+  </p:clrMapOvr>
+</p:sld>
+</file>
+
+<file path=ppt/slides/slide15.xml><?xml version="1.0" encoding="utf-8"?>
+<p:sld xmlns:a="http://schemas.openxmlformats.org/drawingml/2006/main" xmlns:r="http://schemas.openxmlformats.org/officeDocument/2006/relationships" xmlns:p="http://schemas.openxmlformats.org/presentationml/2006/main">
+  <p:cSld>
+    <p:spTree>
+      <p:nvGrpSpPr>
+        <p:cNvPr id="1" name=""/>
+        <p:cNvGrpSpPr/>
+        <p:nvPr/>
+      </p:nvGrpSpPr>
+      <p:grpSpPr>
+        <a:xfrm>
+          <a:off x="0" y="0"/>
+          <a:ext cx="0" cy="0"/>
+          <a:chOff x="0" y="0"/>
+          <a:chExt cx="0" cy="0"/>
+        </a:xfrm>
+      </p:grpSpPr>
+      <p:sp>
+        <p:nvSpPr>
+          <p:cNvPr id="2" name="Título 1"/>
+          <p:cNvSpPr>
+            <a:spLocks noGrp="1"/>
+          </p:cNvSpPr>
+          <p:nvPr>
+            <p:ph type="title"/>
+          </p:nvPr>
+        </p:nvSpPr>
+        <p:spPr>
+          <a:xfrm>
+            <a:off x="1703577" y="248329"/>
+            <a:ext cx="8911687" cy="666070"/>
+          </a:xfrm>
+        </p:spPr>
+        <p:txBody>
+          <a:bodyPr>
+            <a:normAutofit/>
+          </a:bodyPr>
+          <a:lstStyle/>
+          <a:p>
+            <a:r>
+              <a:rPr lang="es-PE" sz="2800" dirty="0" smtClean="0"/>
+              <a:t>Algunos resultados</a:t>
+            </a:r>
+            <a:endParaRPr lang="es-PE" sz="2800" dirty="0"/>
+          </a:p>
+        </p:txBody>
+      </p:sp>
+      <p:pic>
+        <p:nvPicPr>
+          <p:cNvPr id="4" name="Marcador de contenido 3"/>
+          <p:cNvPicPr>
+            <a:picLocks noGrp="1" noChangeAspect="1"/>
+          </p:cNvPicPr>
+          <p:nvPr>
+            <p:ph idx="1"/>
+          </p:nvPr>
+        </p:nvPicPr>
+        <p:blipFill>
+          <a:blip r:embed="rId2">
+            <a:extLst>
+              <a:ext uri="{28A0092B-C50C-407E-A947-70E740481C1C}">
+                <a14:useLocalDpi xmlns:a14="http://schemas.microsoft.com/office/drawing/2010/main" val="0"/>
+              </a:ext>
+            </a:extLst>
+          </a:blip>
+          <a:stretch>
+            <a:fillRect/>
+          </a:stretch>
+        </p:blipFill>
+        <p:spPr>
+          <a:xfrm>
+            <a:off x="1703577" y="914399"/>
+            <a:ext cx="9120860" cy="5790148"/>
+          </a:xfrm>
+        </p:spPr>
+      </p:pic>
+    </p:spTree>
+    <p:extLst>
+      <p:ext uri="{BB962C8B-B14F-4D97-AF65-F5344CB8AC3E}">
+        <p14:creationId xmlns:p14="http://schemas.microsoft.com/office/powerpoint/2010/main" val="1322327536"/>
+      </p:ext>
+    </p:extLst>
+  </p:cSld>
+  <p:clrMapOvr>
+    <a:masterClrMapping/>
+  </p:clrMapOvr>
+</p:sld>
+</file>
+
 <file path=ppt/slides/slide2.xml><?xml version="1.0" encoding="utf-8"?>
 <p:sld xmlns:a="http://schemas.openxmlformats.org/drawingml/2006/main" xmlns:r="http://schemas.openxmlformats.org/officeDocument/2006/relationships" xmlns:p="http://schemas.openxmlformats.org/presentationml/2006/main">
   <p:cSld>
